--- a/Capstone2/Final_sildes.pptx
+++ b/Capstone2/Final_sildes.pptx
@@ -8659,7 +8659,7 @@
                 <a:latin typeface="Times New Roman" panose="02020603050405020304" pitchFamily="18" charset="0"/>
                 <a:ea typeface="等线" panose="02010600030101010101" pitchFamily="2" charset="-122"/>
               </a:rPr>
-              <a:t>MAE: 13.26%</a:t>
+              <a:t>MAE: 0.1326</a:t>
             </a:r>
           </a:p>
           <a:p>
@@ -8681,7 +8681,7 @@
                 <a:latin typeface="Times New Roman" panose="02020603050405020304" pitchFamily="18" charset="0"/>
                 <a:ea typeface="等线" panose="02010600030101010101" pitchFamily="2" charset="-122"/>
               </a:rPr>
-              <a:t>MPE: 3.03%</a:t>
+              <a:t>MPE: -3.03%</a:t>
             </a:r>
           </a:p>
           <a:p>
@@ -8703,7 +8703,7 @@
                 <a:latin typeface="Times New Roman" panose="02020603050405020304" pitchFamily="18" charset="0"/>
                 <a:ea typeface="等线" panose="02010600030101010101" pitchFamily="2" charset="-122"/>
               </a:rPr>
-              <a:t>RMSE: 17.37%</a:t>
+              <a:t>RMSE: 0.1737</a:t>
             </a:r>
           </a:p>
           <a:p>
@@ -8725,7 +8725,7 @@
                 <a:latin typeface="Times New Roman" panose="02020603050405020304" pitchFamily="18" charset="0"/>
                 <a:ea typeface="等线" panose="02010600030101010101" pitchFamily="2" charset="-122"/>
               </a:rPr>
-              <a:t>CORR: 69.81%</a:t>
+              <a:t>CORR: 0.6981</a:t>
             </a:r>
           </a:p>
           <a:p>
@@ -9279,7 +9279,7 @@
                 <a:latin typeface="Times New Roman" panose="02020603050405020304" pitchFamily="18" charset="0"/>
                 <a:ea typeface="等线" panose="02010600030101010101" pitchFamily="2" charset="-122"/>
               </a:rPr>
-              <a:t>MAE: 10.63%</a:t>
+              <a:t>MAE: 0.1063</a:t>
             </a:r>
           </a:p>
           <a:p>
@@ -9301,7 +9301,7 @@
                 <a:latin typeface="Times New Roman" panose="02020603050405020304" pitchFamily="18" charset="0"/>
                 <a:ea typeface="等线" panose="02010600030101010101" pitchFamily="2" charset="-122"/>
               </a:rPr>
-              <a:t>MPE: 2.35%</a:t>
+              <a:t>MPE: -2.35%</a:t>
             </a:r>
           </a:p>
           <a:p>
@@ -9323,7 +9323,7 @@
                 <a:latin typeface="Times New Roman" panose="02020603050405020304" pitchFamily="18" charset="0"/>
                 <a:ea typeface="等线" panose="02010600030101010101" pitchFamily="2" charset="-122"/>
               </a:rPr>
-              <a:t>RMSE: 13.97%</a:t>
+              <a:t>RMSE: 0.1397</a:t>
             </a:r>
           </a:p>
           <a:p>
@@ -9345,7 +9345,7 @@
                 <a:latin typeface="Times New Roman" panose="02020603050405020304" pitchFamily="18" charset="0"/>
                 <a:ea typeface="等线" panose="02010600030101010101" pitchFamily="2" charset="-122"/>
               </a:rPr>
-              <a:t>CORR: 96.62%</a:t>
+              <a:t>CORR: 0.9662</a:t>
             </a:r>
           </a:p>
           <a:p>
@@ -9529,7 +9529,7 @@
             </a:pPr>
             <a:r>
               <a:rPr lang="en-US" sz="2400" dirty="0"/>
-              <a:t>All models are highly accurate and low biased </a:t>
+              <a:t>All models are highly accurate and under biased </a:t>
             </a:r>
             <a:endParaRPr sz="2400" dirty="0"/>
           </a:p>
@@ -9641,44 +9641,6 @@
       </p:sp>
       <p:sp>
         <p:nvSpPr>
-          <p:cNvPr id="140" name="Google Shape;140;p24"/>
-          <p:cNvSpPr txBox="1">
-            <a:spLocks noGrp="1"/>
-          </p:cNvSpPr>
-          <p:nvPr>
-            <p:ph type="subTitle" idx="1"/>
-          </p:nvPr>
-        </p:nvSpPr>
-        <p:spPr>
-          <a:xfrm>
-            <a:off x="265500" y="2769001"/>
-            <a:ext cx="4045200" cy="1345500"/>
-          </a:xfrm>
-          <a:prstGeom prst="rect">
-            <a:avLst/>
-          </a:prstGeom>
-        </p:spPr>
-        <p:txBody>
-          <a:bodyPr spcFirstLastPara="1" wrap="square" lIns="91425" tIns="91425" rIns="91425" bIns="91425" anchor="t" anchorCtr="0">
-            <a:noAutofit/>
-          </a:bodyPr>
-          <a:lstStyle/>
-          <a:p>
-            <a:pPr marL="0" lvl="0" indent="0" algn="ctr" rtl="0">
-              <a:spcBef>
-                <a:spcPts val="0"/>
-              </a:spcBef>
-              <a:spcAft>
-                <a:spcPts val="0"/>
-              </a:spcAft>
-              <a:buNone/>
-            </a:pPr>
-            <a:endParaRPr dirty="0"/>
-          </a:p>
-        </p:txBody>
-      </p:sp>
-      <p:sp>
-        <p:nvSpPr>
           <p:cNvPr id="141" name="Google Shape;141;p24"/>
           <p:cNvSpPr txBox="1">
             <a:spLocks noGrp="1"/>
@@ -9690,7 +9652,7 @@
         <p:spPr>
           <a:xfrm>
             <a:off x="4939500" y="724200"/>
-            <a:ext cx="3837000" cy="3695100"/>
+            <a:ext cx="4045200" cy="3695100"/>
           </a:xfrm>
           <a:prstGeom prst="rect">
             <a:avLst/>
@@ -9742,6 +9704,18 @@
               <a:rPr lang="en-US" dirty="0"/>
               <a:t>features</a:t>
             </a:r>
+          </a:p>
+          <a:p>
+            <a:pPr marL="114300" indent="0">
+              <a:lnSpc>
+                <a:spcPct val="200000"/>
+              </a:lnSpc>
+              <a:buNone/>
+            </a:pPr>
+            <a:r>
+              <a:rPr lang="en-US" dirty="0"/>
+              <a:t>    - Index figures  - Days to dividend</a:t>
+            </a:r>
             <a:endParaRPr dirty="0"/>
           </a:p>
           <a:p>
@@ -9765,6 +9739,25 @@
             <a:r>
               <a:rPr lang="en" dirty="0"/>
               <a:t>ry more models</a:t>
+            </a:r>
+          </a:p>
+          <a:p>
+            <a:pPr marL="114300" lvl="0" indent="0" algn="l" rtl="0">
+              <a:lnSpc>
+                <a:spcPct val="200000"/>
+              </a:lnSpc>
+              <a:spcBef>
+                <a:spcPts val="0"/>
+              </a:spcBef>
+              <a:spcAft>
+                <a:spcPts val="0"/>
+              </a:spcAft>
+              <a:buSzPts val="1800"/>
+              <a:buNone/>
+            </a:pPr>
+            <a:r>
+              <a:rPr lang="en" dirty="0"/>
+              <a:t>    - Xgboost  - Vector Autoregression</a:t>
             </a:r>
             <a:endParaRPr dirty="0"/>
           </a:p>
@@ -9859,44 +9852,6 @@
       </p:sp>
       <p:sp>
         <p:nvSpPr>
-          <p:cNvPr id="147" name="Google Shape;147;p25"/>
-          <p:cNvSpPr txBox="1">
-            <a:spLocks noGrp="1"/>
-          </p:cNvSpPr>
-          <p:nvPr>
-            <p:ph type="subTitle" idx="1"/>
-          </p:nvPr>
-        </p:nvSpPr>
-        <p:spPr>
-          <a:xfrm>
-            <a:off x="265500" y="2769001"/>
-            <a:ext cx="4045200" cy="1345500"/>
-          </a:xfrm>
-          <a:prstGeom prst="rect">
-            <a:avLst/>
-          </a:prstGeom>
-        </p:spPr>
-        <p:txBody>
-          <a:bodyPr spcFirstLastPara="1" wrap="square" lIns="91425" tIns="91425" rIns="91425" bIns="91425" anchor="t" anchorCtr="0">
-            <a:noAutofit/>
-          </a:bodyPr>
-          <a:lstStyle/>
-          <a:p>
-            <a:pPr marL="0" lvl="0" indent="0" algn="ctr" rtl="0">
-              <a:spcBef>
-                <a:spcPts val="0"/>
-              </a:spcBef>
-              <a:spcAft>
-                <a:spcPts val="0"/>
-              </a:spcAft>
-              <a:buNone/>
-            </a:pPr>
-            <a:endParaRPr/>
-          </a:p>
-        </p:txBody>
-      </p:sp>
-      <p:sp>
-        <p:nvSpPr>
           <p:cNvPr id="9" name="Google Shape;146;p25">
             <a:extLst>
               <a:ext uri="{FF2B5EF4-FFF2-40B4-BE49-F238E27FC236}">
@@ -10347,7 +10302,7 @@
         </p:nvSpPr>
         <p:spPr>
           <a:xfrm>
-            <a:off x="1298775" y="4629900"/>
+            <a:off x="-549120" y="4709694"/>
             <a:ext cx="6473100" cy="466500"/>
           </a:xfrm>
           <a:prstGeom prst="rect">
@@ -10392,36 +10347,6 @@
           </a:p>
         </p:txBody>
       </p:sp>
-      <p:pic>
-        <p:nvPicPr>
-          <p:cNvPr id="5" name="Picture 4">
-            <a:extLst>
-              <a:ext uri="{FF2B5EF4-FFF2-40B4-BE49-F238E27FC236}">
-                <a16:creationId xmlns:a16="http://schemas.microsoft.com/office/drawing/2014/main" id="{59F257E8-1A06-4CE3-9473-9F60E2931445}"/>
-              </a:ext>
-            </a:extLst>
-          </p:cNvPr>
-          <p:cNvPicPr>
-            <a:picLocks noChangeAspect="1"/>
-          </p:cNvPicPr>
-          <p:nvPr/>
-        </p:nvPicPr>
-        <p:blipFill>
-          <a:blip r:embed="rId3"/>
-          <a:stretch>
-            <a:fillRect/>
-          </a:stretch>
-        </p:blipFill>
-        <p:spPr>
-          <a:xfrm>
-            <a:off x="266977" y="106334"/>
-            <a:ext cx="8522465" cy="4580710"/>
-          </a:xfrm>
-          <a:prstGeom prst="rect">
-            <a:avLst/>
-          </a:prstGeom>
-        </p:spPr>
-      </p:pic>
       <p:sp>
         <p:nvSpPr>
           <p:cNvPr id="8" name="Google Shape;83;p16">
@@ -10440,8 +10365,8 @@
         </p:nvSpPr>
         <p:spPr>
           <a:xfrm>
-            <a:off x="567781" y="1331595"/>
-            <a:ext cx="8221662" cy="1036522"/>
+            <a:off x="4992945" y="1442842"/>
+            <a:ext cx="3626585" cy="1553632"/>
           </a:xfrm>
           <a:prstGeom prst="rect">
             <a:avLst/>
@@ -10465,27 +10390,87 @@
             <a:r>
               <a:rPr lang="en" b="1" dirty="0">
                 <a:solidFill>
-                  <a:schemeClr val="lt1"/>
+                  <a:schemeClr val="tx1"/>
                 </a:solidFill>
               </a:rPr>
               <a:t>				</a:t>
             </a:r>
             <a:r>
-              <a:rPr lang="en" sz="5400" b="1" dirty="0">
+              <a:rPr lang="en" sz="7200" b="1" dirty="0">
                 <a:solidFill>
-                  <a:schemeClr val="lt1"/>
+                  <a:schemeClr val="tx1"/>
                 </a:solidFill>
               </a:rPr>
-              <a:t>The Data</a:t>
+              <a:t>Data</a:t>
             </a:r>
-            <a:endParaRPr sz="5400" b="1" dirty="0">
+            <a:endParaRPr sz="7200" b="1" dirty="0">
               <a:solidFill>
-                <a:schemeClr val="lt1"/>
+                <a:schemeClr val="tx1"/>
               </a:solidFill>
             </a:endParaRPr>
           </a:p>
         </p:txBody>
       </p:sp>
+      <p:pic>
+        <p:nvPicPr>
+          <p:cNvPr id="3" name="Picture 2">
+            <a:extLst>
+              <a:ext uri="{FF2B5EF4-FFF2-40B4-BE49-F238E27FC236}">
+                <a16:creationId xmlns:a16="http://schemas.microsoft.com/office/drawing/2014/main" id="{C5E75B91-CECC-4971-A24B-49BE137516B3}"/>
+              </a:ext>
+            </a:extLst>
+          </p:cNvPr>
+          <p:cNvPicPr>
+            <a:picLocks noChangeAspect="1"/>
+          </p:cNvPicPr>
+          <p:nvPr/>
+        </p:nvPicPr>
+        <p:blipFill>
+          <a:blip r:embed="rId3"/>
+          <a:stretch>
+            <a:fillRect/>
+          </a:stretch>
+        </p:blipFill>
+        <p:spPr>
+          <a:xfrm>
+            <a:off x="460713" y="396033"/>
+            <a:ext cx="5094183" cy="2304701"/>
+          </a:xfrm>
+          <a:prstGeom prst="rect">
+            <a:avLst/>
+          </a:prstGeom>
+        </p:spPr>
+      </p:pic>
+      <p:pic>
+        <p:nvPicPr>
+          <p:cNvPr id="6" name="Picture 5">
+            <a:extLst>
+              <a:ext uri="{FF2B5EF4-FFF2-40B4-BE49-F238E27FC236}">
+                <a16:creationId xmlns:a16="http://schemas.microsoft.com/office/drawing/2014/main" id="{57163261-3516-427F-B1CD-8E98384AC764}"/>
+              </a:ext>
+            </a:extLst>
+          </p:cNvPr>
+          <p:cNvPicPr>
+            <a:picLocks noChangeAspect="1"/>
+          </p:cNvPicPr>
+          <p:nvPr/>
+        </p:nvPicPr>
+        <p:blipFill>
+          <a:blip r:embed="rId4"/>
+          <a:stretch>
+            <a:fillRect/>
+          </a:stretch>
+        </p:blipFill>
+        <p:spPr>
+          <a:xfrm>
+            <a:off x="444472" y="3076268"/>
+            <a:ext cx="5110424" cy="1553632"/>
+          </a:xfrm>
+          <a:prstGeom prst="rect">
+            <a:avLst/>
+          </a:prstGeom>
+        </p:spPr>
+      </p:pic>
     </p:spTree>
   </p:cSld>
   <p:clrMapOvr>
@@ -10733,8 +10718,8 @@
         </p:nvSpPr>
         <p:spPr>
           <a:xfrm>
-            <a:off x="3530525" y="2272350"/>
-            <a:ext cx="2165700" cy="598800"/>
+            <a:off x="1973903" y="450224"/>
+            <a:ext cx="5196192" cy="598800"/>
           </a:xfrm>
           <a:prstGeom prst="rect">
             <a:avLst/>
@@ -10756,35 +10741,19 @@
               <a:buNone/>
             </a:pPr>
             <a:r>
-              <a:rPr lang="en" sz="2200" b="1"/>
-              <a:t>Exploratory </a:t>
+              <a:rPr lang="en" sz="3200" b="1" dirty="0"/>
+              <a:t>Exploratory Data Analysis</a:t>
             </a:r>
-            <a:endParaRPr sz="2200" b="1"/>
-          </a:p>
-          <a:p>
-            <a:pPr marL="0" lvl="0" indent="0" algn="ctr" rtl="0">
-              <a:spcBef>
-                <a:spcPts val="0"/>
-              </a:spcBef>
-              <a:spcAft>
-                <a:spcPts val="0"/>
-              </a:spcAft>
-              <a:buNone/>
-            </a:pPr>
-            <a:r>
-              <a:rPr lang="en" sz="2200" b="1"/>
-              <a:t>Data Analysis</a:t>
-            </a:r>
-            <a:endParaRPr sz="2200" b="1"/>
+            <a:endParaRPr sz="3200" b="1" dirty="0"/>
           </a:p>
         </p:txBody>
       </p:sp>
       <p:pic>
         <p:nvPicPr>
-          <p:cNvPr id="8" name="Picture 7">
+          <p:cNvPr id="3" name="Picture 2">
             <a:extLst>
               <a:ext uri="{FF2B5EF4-FFF2-40B4-BE49-F238E27FC236}">
-                <a16:creationId xmlns:a16="http://schemas.microsoft.com/office/drawing/2014/main" id="{3E15C4C9-723D-4FFF-9CEE-B6FAD1744046}"/>
+                <a16:creationId xmlns:a16="http://schemas.microsoft.com/office/drawing/2014/main" id="{5C42519C-66E7-4CA3-AE8B-1975CA466F15}"/>
               </a:ext>
             </a:extLst>
           </p:cNvPr>
@@ -10801,8 +10770,8 @@
         </p:blipFill>
         <p:spPr>
           <a:xfrm>
-            <a:off x="295798" y="292194"/>
-            <a:ext cx="3325267" cy="2166618"/>
+            <a:off x="292597" y="2250426"/>
+            <a:ext cx="3853056" cy="1995522"/>
           </a:xfrm>
           <a:prstGeom prst="rect">
             <a:avLst/>
@@ -10811,10 +10780,10 @@
       </p:pic>
       <p:pic>
         <p:nvPicPr>
-          <p:cNvPr id="9" name="Picture 8">
+          <p:cNvPr id="5" name="Picture 4">
             <a:extLst>
               <a:ext uri="{FF2B5EF4-FFF2-40B4-BE49-F238E27FC236}">
-                <a16:creationId xmlns:a16="http://schemas.microsoft.com/office/drawing/2014/main" id="{3B66CB24-B376-41A3-A12C-AE3EB1DF6962}"/>
+                <a16:creationId xmlns:a16="http://schemas.microsoft.com/office/drawing/2014/main" id="{F3CC544E-2953-4F5D-A844-5CE995D8C3A3}"/>
               </a:ext>
             </a:extLst>
           </p:cNvPr>
@@ -10831,74 +10800,1162 @@
         </p:blipFill>
         <p:spPr>
           <a:xfrm>
-            <a:off x="295798" y="2681372"/>
-            <a:ext cx="3325267" cy="2169934"/>
+            <a:off x="4998346" y="2250426"/>
+            <a:ext cx="3853056" cy="2018518"/>
           </a:xfrm>
           <a:prstGeom prst="rect">
             <a:avLst/>
           </a:prstGeom>
         </p:spPr>
       </p:pic>
-      <p:pic>
-        <p:nvPicPr>
-          <p:cNvPr id="10" name="Picture 9">
+      <p:sp>
+        <p:nvSpPr>
+          <p:cNvPr id="12" name="Google Shape;105;p19">
             <a:extLst>
               <a:ext uri="{FF2B5EF4-FFF2-40B4-BE49-F238E27FC236}">
-                <a16:creationId xmlns:a16="http://schemas.microsoft.com/office/drawing/2014/main" id="{1C391D02-53D4-4074-98E1-074AB1DD6E52}"/>
+                <a16:creationId xmlns:a16="http://schemas.microsoft.com/office/drawing/2014/main" id="{68378A03-2B46-44AC-A469-439B5E304911}"/>
               </a:ext>
             </a:extLst>
           </p:cNvPr>
-          <p:cNvPicPr>
-            <a:picLocks noChangeAspect="1"/>
-          </p:cNvPicPr>
+          <p:cNvSpPr txBox="1">
+            <a:spLocks/>
+          </p:cNvSpPr>
           <p:nvPr/>
-        </p:nvPicPr>
-        <p:blipFill>
-          <a:blip r:embed="rId5"/>
-          <a:stretch>
-            <a:fillRect/>
-          </a:stretch>
-        </p:blipFill>
+        </p:nvSpPr>
         <p:spPr>
           <a:xfrm>
-            <a:off x="5522937" y="292193"/>
-            <a:ext cx="3307273" cy="2166619"/>
+            <a:off x="-204813" y="1350325"/>
+            <a:ext cx="4705749" cy="598800"/>
           </a:xfrm>
           <a:prstGeom prst="rect">
             <a:avLst/>
           </a:prstGeom>
+          <a:noFill/>
+          <a:ln>
+            <a:noFill/>
+          </a:ln>
         </p:spPr>
-      </p:pic>
-      <p:pic>
-        <p:nvPicPr>
-          <p:cNvPr id="11" name="Picture 10">
+        <p:txBody>
+          <a:bodyPr spcFirstLastPara="1" wrap="square" lIns="91425" tIns="91425" rIns="91425" bIns="91425" anchor="ctr" anchorCtr="0">
+            <a:noAutofit/>
+          </a:bodyPr>
+          <a:lstStyle>
+            <a:defPPr marR="0" lvl="0" algn="l" rtl="0">
+              <a:lnSpc>
+                <a:spcPct val="100000"/>
+              </a:lnSpc>
+              <a:spcBef>
+                <a:spcPts val="0"/>
+              </a:spcBef>
+              <a:spcAft>
+                <a:spcPts val="0"/>
+              </a:spcAft>
+            </a:defPPr>
+            <a:lvl1pPr marL="457200" marR="0" lvl="0" indent="-228600" algn="l" rtl="0">
+              <a:lnSpc>
+                <a:spcPct val="100000"/>
+              </a:lnSpc>
+              <a:spcBef>
+                <a:spcPts val="0"/>
+              </a:spcBef>
+              <a:spcAft>
+                <a:spcPts val="0"/>
+              </a:spcAft>
+              <a:buClr>
+                <a:schemeClr val="dk1"/>
+              </a:buClr>
+              <a:buSzPts val="1800"/>
+              <a:buFont typeface="Roboto Slab"/>
+              <a:buNone/>
+              <a:defRPr sz="1800" b="0" i="0" u="none" strike="noStrike" cap="none">
+                <a:solidFill>
+                  <a:schemeClr val="dk1"/>
+                </a:solidFill>
+                <a:latin typeface="Roboto Slab"/>
+                <a:ea typeface="Roboto Slab"/>
+                <a:cs typeface="Roboto Slab"/>
+                <a:sym typeface="Roboto Slab"/>
+              </a:defRPr>
+            </a:lvl1pPr>
+            <a:lvl2pPr marL="914400" marR="0" lvl="1" indent="-317500" algn="l" rtl="0">
+              <a:lnSpc>
+                <a:spcPct val="115000"/>
+              </a:lnSpc>
+              <a:spcBef>
+                <a:spcPts val="1600"/>
+              </a:spcBef>
+              <a:spcAft>
+                <a:spcPts val="0"/>
+              </a:spcAft>
+              <a:buClr>
+                <a:schemeClr val="dk1"/>
+              </a:buClr>
+              <a:buSzPts val="1400"/>
+              <a:buFont typeface="Roboto"/>
+              <a:buChar char="○"/>
+              <a:defRPr sz="1400" b="0" i="0" u="none" strike="noStrike" cap="none">
+                <a:solidFill>
+                  <a:schemeClr val="dk1"/>
+                </a:solidFill>
+                <a:latin typeface="Roboto"/>
+                <a:ea typeface="Roboto"/>
+                <a:cs typeface="Roboto"/>
+                <a:sym typeface="Roboto"/>
+              </a:defRPr>
+            </a:lvl2pPr>
+            <a:lvl3pPr marL="1371600" marR="0" lvl="2" indent="-317500" algn="l" rtl="0">
+              <a:lnSpc>
+                <a:spcPct val="115000"/>
+              </a:lnSpc>
+              <a:spcBef>
+                <a:spcPts val="1600"/>
+              </a:spcBef>
+              <a:spcAft>
+                <a:spcPts val="0"/>
+              </a:spcAft>
+              <a:buClr>
+                <a:schemeClr val="dk1"/>
+              </a:buClr>
+              <a:buSzPts val="1400"/>
+              <a:buFont typeface="Roboto"/>
+              <a:buChar char="■"/>
+              <a:defRPr sz="1400" b="0" i="0" u="none" strike="noStrike" cap="none">
+                <a:solidFill>
+                  <a:schemeClr val="dk1"/>
+                </a:solidFill>
+                <a:latin typeface="Roboto"/>
+                <a:ea typeface="Roboto"/>
+                <a:cs typeface="Roboto"/>
+                <a:sym typeface="Roboto"/>
+              </a:defRPr>
+            </a:lvl3pPr>
+            <a:lvl4pPr marL="1828800" marR="0" lvl="3" indent="-317500" algn="l" rtl="0">
+              <a:lnSpc>
+                <a:spcPct val="115000"/>
+              </a:lnSpc>
+              <a:spcBef>
+                <a:spcPts val="1600"/>
+              </a:spcBef>
+              <a:spcAft>
+                <a:spcPts val="0"/>
+              </a:spcAft>
+              <a:buClr>
+                <a:schemeClr val="dk1"/>
+              </a:buClr>
+              <a:buSzPts val="1400"/>
+              <a:buFont typeface="Roboto"/>
+              <a:buChar char="●"/>
+              <a:defRPr sz="1400" b="0" i="0" u="none" strike="noStrike" cap="none">
+                <a:solidFill>
+                  <a:schemeClr val="dk1"/>
+                </a:solidFill>
+                <a:latin typeface="Roboto"/>
+                <a:ea typeface="Roboto"/>
+                <a:cs typeface="Roboto"/>
+                <a:sym typeface="Roboto"/>
+              </a:defRPr>
+            </a:lvl4pPr>
+            <a:lvl5pPr marL="2286000" marR="0" lvl="4" indent="-317500" algn="l" rtl="0">
+              <a:lnSpc>
+                <a:spcPct val="115000"/>
+              </a:lnSpc>
+              <a:spcBef>
+                <a:spcPts val="1600"/>
+              </a:spcBef>
+              <a:spcAft>
+                <a:spcPts val="0"/>
+              </a:spcAft>
+              <a:buClr>
+                <a:schemeClr val="dk1"/>
+              </a:buClr>
+              <a:buSzPts val="1400"/>
+              <a:buFont typeface="Roboto"/>
+              <a:buChar char="○"/>
+              <a:defRPr sz="1400" b="0" i="0" u="none" strike="noStrike" cap="none">
+                <a:solidFill>
+                  <a:schemeClr val="dk1"/>
+                </a:solidFill>
+                <a:latin typeface="Roboto"/>
+                <a:ea typeface="Roboto"/>
+                <a:cs typeface="Roboto"/>
+                <a:sym typeface="Roboto"/>
+              </a:defRPr>
+            </a:lvl5pPr>
+            <a:lvl6pPr marL="2743200" marR="0" lvl="5" indent="-317500" algn="l" rtl="0">
+              <a:lnSpc>
+                <a:spcPct val="115000"/>
+              </a:lnSpc>
+              <a:spcBef>
+                <a:spcPts val="1600"/>
+              </a:spcBef>
+              <a:spcAft>
+                <a:spcPts val="0"/>
+              </a:spcAft>
+              <a:buClr>
+                <a:schemeClr val="dk1"/>
+              </a:buClr>
+              <a:buSzPts val="1400"/>
+              <a:buFont typeface="Roboto"/>
+              <a:buChar char="■"/>
+              <a:defRPr sz="1400" b="0" i="0" u="none" strike="noStrike" cap="none">
+                <a:solidFill>
+                  <a:schemeClr val="dk1"/>
+                </a:solidFill>
+                <a:latin typeface="Roboto"/>
+                <a:ea typeface="Roboto"/>
+                <a:cs typeface="Roboto"/>
+                <a:sym typeface="Roboto"/>
+              </a:defRPr>
+            </a:lvl6pPr>
+            <a:lvl7pPr marL="3200400" marR="0" lvl="6" indent="-317500" algn="l" rtl="0">
+              <a:lnSpc>
+                <a:spcPct val="115000"/>
+              </a:lnSpc>
+              <a:spcBef>
+                <a:spcPts val="1600"/>
+              </a:spcBef>
+              <a:spcAft>
+                <a:spcPts val="0"/>
+              </a:spcAft>
+              <a:buClr>
+                <a:schemeClr val="dk1"/>
+              </a:buClr>
+              <a:buSzPts val="1400"/>
+              <a:buFont typeface="Roboto"/>
+              <a:buChar char="●"/>
+              <a:defRPr sz="1400" b="0" i="0" u="none" strike="noStrike" cap="none">
+                <a:solidFill>
+                  <a:schemeClr val="dk1"/>
+                </a:solidFill>
+                <a:latin typeface="Roboto"/>
+                <a:ea typeface="Roboto"/>
+                <a:cs typeface="Roboto"/>
+                <a:sym typeface="Roboto"/>
+              </a:defRPr>
+            </a:lvl7pPr>
+            <a:lvl8pPr marL="3657600" marR="0" lvl="7" indent="-317500" algn="l" rtl="0">
+              <a:lnSpc>
+                <a:spcPct val="115000"/>
+              </a:lnSpc>
+              <a:spcBef>
+                <a:spcPts val="1600"/>
+              </a:spcBef>
+              <a:spcAft>
+                <a:spcPts val="0"/>
+              </a:spcAft>
+              <a:buClr>
+                <a:schemeClr val="dk1"/>
+              </a:buClr>
+              <a:buSzPts val="1400"/>
+              <a:buFont typeface="Roboto"/>
+              <a:buChar char="○"/>
+              <a:defRPr sz="1400" b="0" i="0" u="none" strike="noStrike" cap="none">
+                <a:solidFill>
+                  <a:schemeClr val="dk1"/>
+                </a:solidFill>
+                <a:latin typeface="Roboto"/>
+                <a:ea typeface="Roboto"/>
+                <a:cs typeface="Roboto"/>
+                <a:sym typeface="Roboto"/>
+              </a:defRPr>
+            </a:lvl8pPr>
+            <a:lvl9pPr marL="4114800" marR="0" lvl="8" indent="-317500" algn="l" rtl="0">
+              <a:lnSpc>
+                <a:spcPct val="115000"/>
+              </a:lnSpc>
+              <a:spcBef>
+                <a:spcPts val="1600"/>
+              </a:spcBef>
+              <a:spcAft>
+                <a:spcPts val="1600"/>
+              </a:spcAft>
+              <a:buClr>
+                <a:schemeClr val="dk1"/>
+              </a:buClr>
+              <a:buSzPts val="1400"/>
+              <a:buFont typeface="Roboto"/>
+              <a:buChar char="■"/>
+              <a:defRPr sz="1400" b="0" i="0" u="none" strike="noStrike" cap="none">
+                <a:solidFill>
+                  <a:schemeClr val="dk1"/>
+                </a:solidFill>
+                <a:latin typeface="Roboto"/>
+                <a:ea typeface="Roboto"/>
+                <a:cs typeface="Roboto"/>
+                <a:sym typeface="Roboto"/>
+              </a:defRPr>
+            </a:lvl9pPr>
+          </a:lstStyle>
+          <a:p>
+            <a:pPr marL="0" indent="0" algn="ctr"/>
+            <a:r>
+              <a:rPr lang="en-US" sz="1400" b="1" dirty="0"/>
+              <a:t>moving average (rolling mean) for Price</a:t>
+            </a:r>
+          </a:p>
+        </p:txBody>
+      </p:sp>
+      <p:sp>
+        <p:nvSpPr>
+          <p:cNvPr id="13" name="Google Shape;105;p19">
             <a:extLst>
               <a:ext uri="{FF2B5EF4-FFF2-40B4-BE49-F238E27FC236}">
-                <a16:creationId xmlns:a16="http://schemas.microsoft.com/office/drawing/2014/main" id="{1F12F049-9804-4EF1-A73B-EFEC53ADB00B}"/>
+                <a16:creationId xmlns:a16="http://schemas.microsoft.com/office/drawing/2014/main" id="{C3D3F019-2147-4AAD-8DBA-94FD0CDC8E31}"/>
               </a:ext>
             </a:extLst>
           </p:cNvPr>
-          <p:cNvPicPr>
-            <a:picLocks noChangeAspect="1"/>
-          </p:cNvPicPr>
+          <p:cNvSpPr txBox="1">
+            <a:spLocks/>
+          </p:cNvSpPr>
           <p:nvPr/>
-        </p:nvPicPr>
-        <p:blipFill>
-          <a:blip r:embed="rId6"/>
-          <a:stretch>
-            <a:fillRect/>
-          </a:stretch>
-        </p:blipFill>
+        </p:nvSpPr>
         <p:spPr>
           <a:xfrm>
-            <a:off x="5522936" y="2703374"/>
-            <a:ext cx="3307273" cy="2147932"/>
+            <a:off x="4571999" y="1350325"/>
+            <a:ext cx="4705749" cy="598800"/>
           </a:xfrm>
           <a:prstGeom prst="rect">
             <a:avLst/>
           </a:prstGeom>
+          <a:noFill/>
+          <a:ln>
+            <a:noFill/>
+          </a:ln>
         </p:spPr>
-      </p:pic>
+        <p:txBody>
+          <a:bodyPr spcFirstLastPara="1" wrap="square" lIns="91425" tIns="91425" rIns="91425" bIns="91425" anchor="ctr" anchorCtr="0">
+            <a:noAutofit/>
+          </a:bodyPr>
+          <a:lstStyle>
+            <a:defPPr marR="0" lvl="0" algn="l" rtl="0">
+              <a:lnSpc>
+                <a:spcPct val="100000"/>
+              </a:lnSpc>
+              <a:spcBef>
+                <a:spcPts val="0"/>
+              </a:spcBef>
+              <a:spcAft>
+                <a:spcPts val="0"/>
+              </a:spcAft>
+            </a:defPPr>
+            <a:lvl1pPr marL="457200" marR="0" lvl="0" indent="-228600" algn="l" rtl="0">
+              <a:lnSpc>
+                <a:spcPct val="100000"/>
+              </a:lnSpc>
+              <a:spcBef>
+                <a:spcPts val="0"/>
+              </a:spcBef>
+              <a:spcAft>
+                <a:spcPts val="0"/>
+              </a:spcAft>
+              <a:buClr>
+                <a:schemeClr val="dk1"/>
+              </a:buClr>
+              <a:buSzPts val="1800"/>
+              <a:buFont typeface="Roboto Slab"/>
+              <a:buNone/>
+              <a:defRPr sz="1800" b="0" i="0" u="none" strike="noStrike" cap="none">
+                <a:solidFill>
+                  <a:schemeClr val="dk1"/>
+                </a:solidFill>
+                <a:latin typeface="Roboto Slab"/>
+                <a:ea typeface="Roboto Slab"/>
+                <a:cs typeface="Roboto Slab"/>
+                <a:sym typeface="Roboto Slab"/>
+              </a:defRPr>
+            </a:lvl1pPr>
+            <a:lvl2pPr marL="914400" marR="0" lvl="1" indent="-317500" algn="l" rtl="0">
+              <a:lnSpc>
+                <a:spcPct val="115000"/>
+              </a:lnSpc>
+              <a:spcBef>
+                <a:spcPts val="1600"/>
+              </a:spcBef>
+              <a:spcAft>
+                <a:spcPts val="0"/>
+              </a:spcAft>
+              <a:buClr>
+                <a:schemeClr val="dk1"/>
+              </a:buClr>
+              <a:buSzPts val="1400"/>
+              <a:buFont typeface="Roboto"/>
+              <a:buChar char="○"/>
+              <a:defRPr sz="1400" b="0" i="0" u="none" strike="noStrike" cap="none">
+                <a:solidFill>
+                  <a:schemeClr val="dk1"/>
+                </a:solidFill>
+                <a:latin typeface="Roboto"/>
+                <a:ea typeface="Roboto"/>
+                <a:cs typeface="Roboto"/>
+                <a:sym typeface="Roboto"/>
+              </a:defRPr>
+            </a:lvl2pPr>
+            <a:lvl3pPr marL="1371600" marR="0" lvl="2" indent="-317500" algn="l" rtl="0">
+              <a:lnSpc>
+                <a:spcPct val="115000"/>
+              </a:lnSpc>
+              <a:spcBef>
+                <a:spcPts val="1600"/>
+              </a:spcBef>
+              <a:spcAft>
+                <a:spcPts val="0"/>
+              </a:spcAft>
+              <a:buClr>
+                <a:schemeClr val="dk1"/>
+              </a:buClr>
+              <a:buSzPts val="1400"/>
+              <a:buFont typeface="Roboto"/>
+              <a:buChar char="■"/>
+              <a:defRPr sz="1400" b="0" i="0" u="none" strike="noStrike" cap="none">
+                <a:solidFill>
+                  <a:schemeClr val="dk1"/>
+                </a:solidFill>
+                <a:latin typeface="Roboto"/>
+                <a:ea typeface="Roboto"/>
+                <a:cs typeface="Roboto"/>
+                <a:sym typeface="Roboto"/>
+              </a:defRPr>
+            </a:lvl3pPr>
+            <a:lvl4pPr marL="1828800" marR="0" lvl="3" indent="-317500" algn="l" rtl="0">
+              <a:lnSpc>
+                <a:spcPct val="115000"/>
+              </a:lnSpc>
+              <a:spcBef>
+                <a:spcPts val="1600"/>
+              </a:spcBef>
+              <a:spcAft>
+                <a:spcPts val="0"/>
+              </a:spcAft>
+              <a:buClr>
+                <a:schemeClr val="dk1"/>
+              </a:buClr>
+              <a:buSzPts val="1400"/>
+              <a:buFont typeface="Roboto"/>
+              <a:buChar char="●"/>
+              <a:defRPr sz="1400" b="0" i="0" u="none" strike="noStrike" cap="none">
+                <a:solidFill>
+                  <a:schemeClr val="dk1"/>
+                </a:solidFill>
+                <a:latin typeface="Roboto"/>
+                <a:ea typeface="Roboto"/>
+                <a:cs typeface="Roboto"/>
+                <a:sym typeface="Roboto"/>
+              </a:defRPr>
+            </a:lvl4pPr>
+            <a:lvl5pPr marL="2286000" marR="0" lvl="4" indent="-317500" algn="l" rtl="0">
+              <a:lnSpc>
+                <a:spcPct val="115000"/>
+              </a:lnSpc>
+              <a:spcBef>
+                <a:spcPts val="1600"/>
+              </a:spcBef>
+              <a:spcAft>
+                <a:spcPts val="0"/>
+              </a:spcAft>
+              <a:buClr>
+                <a:schemeClr val="dk1"/>
+              </a:buClr>
+              <a:buSzPts val="1400"/>
+              <a:buFont typeface="Roboto"/>
+              <a:buChar char="○"/>
+              <a:defRPr sz="1400" b="0" i="0" u="none" strike="noStrike" cap="none">
+                <a:solidFill>
+                  <a:schemeClr val="dk1"/>
+                </a:solidFill>
+                <a:latin typeface="Roboto"/>
+                <a:ea typeface="Roboto"/>
+                <a:cs typeface="Roboto"/>
+                <a:sym typeface="Roboto"/>
+              </a:defRPr>
+            </a:lvl5pPr>
+            <a:lvl6pPr marL="2743200" marR="0" lvl="5" indent="-317500" algn="l" rtl="0">
+              <a:lnSpc>
+                <a:spcPct val="115000"/>
+              </a:lnSpc>
+              <a:spcBef>
+                <a:spcPts val="1600"/>
+              </a:spcBef>
+              <a:spcAft>
+                <a:spcPts val="0"/>
+              </a:spcAft>
+              <a:buClr>
+                <a:schemeClr val="dk1"/>
+              </a:buClr>
+              <a:buSzPts val="1400"/>
+              <a:buFont typeface="Roboto"/>
+              <a:buChar char="■"/>
+              <a:defRPr sz="1400" b="0" i="0" u="none" strike="noStrike" cap="none">
+                <a:solidFill>
+                  <a:schemeClr val="dk1"/>
+                </a:solidFill>
+                <a:latin typeface="Roboto"/>
+                <a:ea typeface="Roboto"/>
+                <a:cs typeface="Roboto"/>
+                <a:sym typeface="Roboto"/>
+              </a:defRPr>
+            </a:lvl6pPr>
+            <a:lvl7pPr marL="3200400" marR="0" lvl="6" indent="-317500" algn="l" rtl="0">
+              <a:lnSpc>
+                <a:spcPct val="115000"/>
+              </a:lnSpc>
+              <a:spcBef>
+                <a:spcPts val="1600"/>
+              </a:spcBef>
+              <a:spcAft>
+                <a:spcPts val="0"/>
+              </a:spcAft>
+              <a:buClr>
+                <a:schemeClr val="dk1"/>
+              </a:buClr>
+              <a:buSzPts val="1400"/>
+              <a:buFont typeface="Roboto"/>
+              <a:buChar char="●"/>
+              <a:defRPr sz="1400" b="0" i="0" u="none" strike="noStrike" cap="none">
+                <a:solidFill>
+                  <a:schemeClr val="dk1"/>
+                </a:solidFill>
+                <a:latin typeface="Roboto"/>
+                <a:ea typeface="Roboto"/>
+                <a:cs typeface="Roboto"/>
+                <a:sym typeface="Roboto"/>
+              </a:defRPr>
+            </a:lvl7pPr>
+            <a:lvl8pPr marL="3657600" marR="0" lvl="7" indent="-317500" algn="l" rtl="0">
+              <a:lnSpc>
+                <a:spcPct val="115000"/>
+              </a:lnSpc>
+              <a:spcBef>
+                <a:spcPts val="1600"/>
+              </a:spcBef>
+              <a:spcAft>
+                <a:spcPts val="0"/>
+              </a:spcAft>
+              <a:buClr>
+                <a:schemeClr val="dk1"/>
+              </a:buClr>
+              <a:buSzPts val="1400"/>
+              <a:buFont typeface="Roboto"/>
+              <a:buChar char="○"/>
+              <a:defRPr sz="1400" b="0" i="0" u="none" strike="noStrike" cap="none">
+                <a:solidFill>
+                  <a:schemeClr val="dk1"/>
+                </a:solidFill>
+                <a:latin typeface="Roboto"/>
+                <a:ea typeface="Roboto"/>
+                <a:cs typeface="Roboto"/>
+                <a:sym typeface="Roboto"/>
+              </a:defRPr>
+            </a:lvl8pPr>
+            <a:lvl9pPr marL="4114800" marR="0" lvl="8" indent="-317500" algn="l" rtl="0">
+              <a:lnSpc>
+                <a:spcPct val="115000"/>
+              </a:lnSpc>
+              <a:spcBef>
+                <a:spcPts val="1600"/>
+              </a:spcBef>
+              <a:spcAft>
+                <a:spcPts val="1600"/>
+              </a:spcAft>
+              <a:buClr>
+                <a:schemeClr val="dk1"/>
+              </a:buClr>
+              <a:buSzPts val="1400"/>
+              <a:buFont typeface="Roboto"/>
+              <a:buChar char="■"/>
+              <a:defRPr sz="1400" b="0" i="0" u="none" strike="noStrike" cap="none">
+                <a:solidFill>
+                  <a:schemeClr val="dk1"/>
+                </a:solidFill>
+                <a:latin typeface="Roboto"/>
+                <a:ea typeface="Roboto"/>
+                <a:cs typeface="Roboto"/>
+                <a:sym typeface="Roboto"/>
+              </a:defRPr>
+            </a:lvl9pPr>
+          </a:lstStyle>
+          <a:p>
+            <a:pPr marL="0" indent="0" algn="ctr"/>
+            <a:r>
+              <a:rPr lang="en-US" sz="1400" b="1" dirty="0"/>
+              <a:t>moving average (rolling mean) for Volume</a:t>
+            </a:r>
+          </a:p>
+        </p:txBody>
+      </p:sp>
+      <p:sp>
+        <p:nvSpPr>
+          <p:cNvPr id="14" name="Google Shape;105;p19">
+            <a:extLst>
+              <a:ext uri="{FF2B5EF4-FFF2-40B4-BE49-F238E27FC236}">
+                <a16:creationId xmlns:a16="http://schemas.microsoft.com/office/drawing/2014/main" id="{AED588BC-C06F-4D97-B9CC-B0869F785726}"/>
+              </a:ext>
+            </a:extLst>
+          </p:cNvPr>
+          <p:cNvSpPr txBox="1">
+            <a:spLocks/>
+          </p:cNvSpPr>
+          <p:nvPr/>
+        </p:nvSpPr>
+        <p:spPr>
+          <a:xfrm>
+            <a:off x="-204814" y="1722982"/>
+            <a:ext cx="4705749" cy="598800"/>
+          </a:xfrm>
+          <a:prstGeom prst="rect">
+            <a:avLst/>
+          </a:prstGeom>
+          <a:noFill/>
+          <a:ln>
+            <a:noFill/>
+          </a:ln>
+        </p:spPr>
+        <p:txBody>
+          <a:bodyPr spcFirstLastPara="1" wrap="square" lIns="91425" tIns="91425" rIns="91425" bIns="91425" anchor="ctr" anchorCtr="0">
+            <a:noAutofit/>
+          </a:bodyPr>
+          <a:lstStyle>
+            <a:defPPr marR="0" lvl="0" algn="l" rtl="0">
+              <a:lnSpc>
+                <a:spcPct val="100000"/>
+              </a:lnSpc>
+              <a:spcBef>
+                <a:spcPts val="0"/>
+              </a:spcBef>
+              <a:spcAft>
+                <a:spcPts val="0"/>
+              </a:spcAft>
+            </a:defPPr>
+            <a:lvl1pPr marL="457200" marR="0" lvl="0" indent="-228600" algn="l" rtl="0">
+              <a:lnSpc>
+                <a:spcPct val="100000"/>
+              </a:lnSpc>
+              <a:spcBef>
+                <a:spcPts val="0"/>
+              </a:spcBef>
+              <a:spcAft>
+                <a:spcPts val="0"/>
+              </a:spcAft>
+              <a:buClr>
+                <a:schemeClr val="dk1"/>
+              </a:buClr>
+              <a:buSzPts val="1800"/>
+              <a:buFont typeface="Roboto Slab"/>
+              <a:buNone/>
+              <a:defRPr sz="1800" b="0" i="0" u="none" strike="noStrike" cap="none">
+                <a:solidFill>
+                  <a:schemeClr val="dk1"/>
+                </a:solidFill>
+                <a:latin typeface="Roboto Slab"/>
+                <a:ea typeface="Roboto Slab"/>
+                <a:cs typeface="Roboto Slab"/>
+                <a:sym typeface="Roboto Slab"/>
+              </a:defRPr>
+            </a:lvl1pPr>
+            <a:lvl2pPr marL="914400" marR="0" lvl="1" indent="-317500" algn="l" rtl="0">
+              <a:lnSpc>
+                <a:spcPct val="115000"/>
+              </a:lnSpc>
+              <a:spcBef>
+                <a:spcPts val="1600"/>
+              </a:spcBef>
+              <a:spcAft>
+                <a:spcPts val="0"/>
+              </a:spcAft>
+              <a:buClr>
+                <a:schemeClr val="dk1"/>
+              </a:buClr>
+              <a:buSzPts val="1400"/>
+              <a:buFont typeface="Roboto"/>
+              <a:buChar char="○"/>
+              <a:defRPr sz="1400" b="0" i="0" u="none" strike="noStrike" cap="none">
+                <a:solidFill>
+                  <a:schemeClr val="dk1"/>
+                </a:solidFill>
+                <a:latin typeface="Roboto"/>
+                <a:ea typeface="Roboto"/>
+                <a:cs typeface="Roboto"/>
+                <a:sym typeface="Roboto"/>
+              </a:defRPr>
+            </a:lvl2pPr>
+            <a:lvl3pPr marL="1371600" marR="0" lvl="2" indent="-317500" algn="l" rtl="0">
+              <a:lnSpc>
+                <a:spcPct val="115000"/>
+              </a:lnSpc>
+              <a:spcBef>
+                <a:spcPts val="1600"/>
+              </a:spcBef>
+              <a:spcAft>
+                <a:spcPts val="0"/>
+              </a:spcAft>
+              <a:buClr>
+                <a:schemeClr val="dk1"/>
+              </a:buClr>
+              <a:buSzPts val="1400"/>
+              <a:buFont typeface="Roboto"/>
+              <a:buChar char="■"/>
+              <a:defRPr sz="1400" b="0" i="0" u="none" strike="noStrike" cap="none">
+                <a:solidFill>
+                  <a:schemeClr val="dk1"/>
+                </a:solidFill>
+                <a:latin typeface="Roboto"/>
+                <a:ea typeface="Roboto"/>
+                <a:cs typeface="Roboto"/>
+                <a:sym typeface="Roboto"/>
+              </a:defRPr>
+            </a:lvl3pPr>
+            <a:lvl4pPr marL="1828800" marR="0" lvl="3" indent="-317500" algn="l" rtl="0">
+              <a:lnSpc>
+                <a:spcPct val="115000"/>
+              </a:lnSpc>
+              <a:spcBef>
+                <a:spcPts val="1600"/>
+              </a:spcBef>
+              <a:spcAft>
+                <a:spcPts val="0"/>
+              </a:spcAft>
+              <a:buClr>
+                <a:schemeClr val="dk1"/>
+              </a:buClr>
+              <a:buSzPts val="1400"/>
+              <a:buFont typeface="Roboto"/>
+              <a:buChar char="●"/>
+              <a:defRPr sz="1400" b="0" i="0" u="none" strike="noStrike" cap="none">
+                <a:solidFill>
+                  <a:schemeClr val="dk1"/>
+                </a:solidFill>
+                <a:latin typeface="Roboto"/>
+                <a:ea typeface="Roboto"/>
+                <a:cs typeface="Roboto"/>
+                <a:sym typeface="Roboto"/>
+              </a:defRPr>
+            </a:lvl4pPr>
+            <a:lvl5pPr marL="2286000" marR="0" lvl="4" indent="-317500" algn="l" rtl="0">
+              <a:lnSpc>
+                <a:spcPct val="115000"/>
+              </a:lnSpc>
+              <a:spcBef>
+                <a:spcPts val="1600"/>
+              </a:spcBef>
+              <a:spcAft>
+                <a:spcPts val="0"/>
+              </a:spcAft>
+              <a:buClr>
+                <a:schemeClr val="dk1"/>
+              </a:buClr>
+              <a:buSzPts val="1400"/>
+              <a:buFont typeface="Roboto"/>
+              <a:buChar char="○"/>
+              <a:defRPr sz="1400" b="0" i="0" u="none" strike="noStrike" cap="none">
+                <a:solidFill>
+                  <a:schemeClr val="dk1"/>
+                </a:solidFill>
+                <a:latin typeface="Roboto"/>
+                <a:ea typeface="Roboto"/>
+                <a:cs typeface="Roboto"/>
+                <a:sym typeface="Roboto"/>
+              </a:defRPr>
+            </a:lvl5pPr>
+            <a:lvl6pPr marL="2743200" marR="0" lvl="5" indent="-317500" algn="l" rtl="0">
+              <a:lnSpc>
+                <a:spcPct val="115000"/>
+              </a:lnSpc>
+              <a:spcBef>
+                <a:spcPts val="1600"/>
+              </a:spcBef>
+              <a:spcAft>
+                <a:spcPts val="0"/>
+              </a:spcAft>
+              <a:buClr>
+                <a:schemeClr val="dk1"/>
+              </a:buClr>
+              <a:buSzPts val="1400"/>
+              <a:buFont typeface="Roboto"/>
+              <a:buChar char="■"/>
+              <a:defRPr sz="1400" b="0" i="0" u="none" strike="noStrike" cap="none">
+                <a:solidFill>
+                  <a:schemeClr val="dk1"/>
+                </a:solidFill>
+                <a:latin typeface="Roboto"/>
+                <a:ea typeface="Roboto"/>
+                <a:cs typeface="Roboto"/>
+                <a:sym typeface="Roboto"/>
+              </a:defRPr>
+            </a:lvl6pPr>
+            <a:lvl7pPr marL="3200400" marR="0" lvl="6" indent="-317500" algn="l" rtl="0">
+              <a:lnSpc>
+                <a:spcPct val="115000"/>
+              </a:lnSpc>
+              <a:spcBef>
+                <a:spcPts val="1600"/>
+              </a:spcBef>
+              <a:spcAft>
+                <a:spcPts val="0"/>
+              </a:spcAft>
+              <a:buClr>
+                <a:schemeClr val="dk1"/>
+              </a:buClr>
+              <a:buSzPts val="1400"/>
+              <a:buFont typeface="Roboto"/>
+              <a:buChar char="●"/>
+              <a:defRPr sz="1400" b="0" i="0" u="none" strike="noStrike" cap="none">
+                <a:solidFill>
+                  <a:schemeClr val="dk1"/>
+                </a:solidFill>
+                <a:latin typeface="Roboto"/>
+                <a:ea typeface="Roboto"/>
+                <a:cs typeface="Roboto"/>
+                <a:sym typeface="Roboto"/>
+              </a:defRPr>
+            </a:lvl7pPr>
+            <a:lvl8pPr marL="3657600" marR="0" lvl="7" indent="-317500" algn="l" rtl="0">
+              <a:lnSpc>
+                <a:spcPct val="115000"/>
+              </a:lnSpc>
+              <a:spcBef>
+                <a:spcPts val="1600"/>
+              </a:spcBef>
+              <a:spcAft>
+                <a:spcPts val="0"/>
+              </a:spcAft>
+              <a:buClr>
+                <a:schemeClr val="dk1"/>
+              </a:buClr>
+              <a:buSzPts val="1400"/>
+              <a:buFont typeface="Roboto"/>
+              <a:buChar char="○"/>
+              <a:defRPr sz="1400" b="0" i="0" u="none" strike="noStrike" cap="none">
+                <a:solidFill>
+                  <a:schemeClr val="dk1"/>
+                </a:solidFill>
+                <a:latin typeface="Roboto"/>
+                <a:ea typeface="Roboto"/>
+                <a:cs typeface="Roboto"/>
+                <a:sym typeface="Roboto"/>
+              </a:defRPr>
+            </a:lvl8pPr>
+            <a:lvl9pPr marL="4114800" marR="0" lvl="8" indent="-317500" algn="l" rtl="0">
+              <a:lnSpc>
+                <a:spcPct val="115000"/>
+              </a:lnSpc>
+              <a:spcBef>
+                <a:spcPts val="1600"/>
+              </a:spcBef>
+              <a:spcAft>
+                <a:spcPts val="1600"/>
+              </a:spcAft>
+              <a:buClr>
+                <a:schemeClr val="dk1"/>
+              </a:buClr>
+              <a:buSzPts val="1400"/>
+              <a:buFont typeface="Roboto"/>
+              <a:buChar char="■"/>
+              <a:defRPr sz="1400" b="0" i="0" u="none" strike="noStrike" cap="none">
+                <a:solidFill>
+                  <a:schemeClr val="dk1"/>
+                </a:solidFill>
+                <a:latin typeface="Roboto"/>
+                <a:ea typeface="Roboto"/>
+                <a:cs typeface="Roboto"/>
+                <a:sym typeface="Roboto"/>
+              </a:defRPr>
+            </a:lvl9pPr>
+          </a:lstStyle>
+          <a:p>
+            <a:pPr marL="0" indent="0" algn="ctr"/>
+            <a:r>
+              <a:rPr lang="en-US" sz="1200" b="1" dirty="0"/>
+              <a:t>Uptrend without significant seasonal pattern</a:t>
+            </a:r>
+          </a:p>
+        </p:txBody>
+      </p:sp>
+      <p:sp>
+        <p:nvSpPr>
+          <p:cNvPr id="15" name="Google Shape;105;p19">
+            <a:extLst>
+              <a:ext uri="{FF2B5EF4-FFF2-40B4-BE49-F238E27FC236}">
+                <a16:creationId xmlns:a16="http://schemas.microsoft.com/office/drawing/2014/main" id="{7A397620-081F-4693-95E2-067A8909D66E}"/>
+              </a:ext>
+            </a:extLst>
+          </p:cNvPr>
+          <p:cNvSpPr txBox="1">
+            <a:spLocks/>
+          </p:cNvSpPr>
+          <p:nvPr/>
+        </p:nvSpPr>
+        <p:spPr>
+          <a:xfrm>
+            <a:off x="4652092" y="1722982"/>
+            <a:ext cx="4545562" cy="598800"/>
+          </a:xfrm>
+          <a:prstGeom prst="rect">
+            <a:avLst/>
+          </a:prstGeom>
+          <a:noFill/>
+          <a:ln>
+            <a:noFill/>
+          </a:ln>
+        </p:spPr>
+        <p:txBody>
+          <a:bodyPr spcFirstLastPara="1" wrap="square" lIns="91425" tIns="91425" rIns="91425" bIns="91425" anchor="ctr" anchorCtr="0">
+            <a:noAutofit/>
+          </a:bodyPr>
+          <a:lstStyle>
+            <a:defPPr marR="0" lvl="0" algn="l" rtl="0">
+              <a:lnSpc>
+                <a:spcPct val="100000"/>
+              </a:lnSpc>
+              <a:spcBef>
+                <a:spcPts val="0"/>
+              </a:spcBef>
+              <a:spcAft>
+                <a:spcPts val="0"/>
+              </a:spcAft>
+            </a:defPPr>
+            <a:lvl1pPr marL="457200" marR="0" lvl="0" indent="-228600" algn="l" rtl="0">
+              <a:lnSpc>
+                <a:spcPct val="100000"/>
+              </a:lnSpc>
+              <a:spcBef>
+                <a:spcPts val="0"/>
+              </a:spcBef>
+              <a:spcAft>
+                <a:spcPts val="0"/>
+              </a:spcAft>
+              <a:buClr>
+                <a:schemeClr val="dk1"/>
+              </a:buClr>
+              <a:buSzPts val="1800"/>
+              <a:buFont typeface="Roboto Slab"/>
+              <a:buNone/>
+              <a:defRPr sz="1800" b="0" i="0" u="none" strike="noStrike" cap="none">
+                <a:solidFill>
+                  <a:schemeClr val="dk1"/>
+                </a:solidFill>
+                <a:latin typeface="Roboto Slab"/>
+                <a:ea typeface="Roboto Slab"/>
+                <a:cs typeface="Roboto Slab"/>
+                <a:sym typeface="Roboto Slab"/>
+              </a:defRPr>
+            </a:lvl1pPr>
+            <a:lvl2pPr marL="914400" marR="0" lvl="1" indent="-317500" algn="l" rtl="0">
+              <a:lnSpc>
+                <a:spcPct val="115000"/>
+              </a:lnSpc>
+              <a:spcBef>
+                <a:spcPts val="1600"/>
+              </a:spcBef>
+              <a:spcAft>
+                <a:spcPts val="0"/>
+              </a:spcAft>
+              <a:buClr>
+                <a:schemeClr val="dk1"/>
+              </a:buClr>
+              <a:buSzPts val="1400"/>
+              <a:buFont typeface="Roboto"/>
+              <a:buChar char="○"/>
+              <a:defRPr sz="1400" b="0" i="0" u="none" strike="noStrike" cap="none">
+                <a:solidFill>
+                  <a:schemeClr val="dk1"/>
+                </a:solidFill>
+                <a:latin typeface="Roboto"/>
+                <a:ea typeface="Roboto"/>
+                <a:cs typeface="Roboto"/>
+                <a:sym typeface="Roboto"/>
+              </a:defRPr>
+            </a:lvl2pPr>
+            <a:lvl3pPr marL="1371600" marR="0" lvl="2" indent="-317500" algn="l" rtl="0">
+              <a:lnSpc>
+                <a:spcPct val="115000"/>
+              </a:lnSpc>
+              <a:spcBef>
+                <a:spcPts val="1600"/>
+              </a:spcBef>
+              <a:spcAft>
+                <a:spcPts val="0"/>
+              </a:spcAft>
+              <a:buClr>
+                <a:schemeClr val="dk1"/>
+              </a:buClr>
+              <a:buSzPts val="1400"/>
+              <a:buFont typeface="Roboto"/>
+              <a:buChar char="■"/>
+              <a:defRPr sz="1400" b="0" i="0" u="none" strike="noStrike" cap="none">
+                <a:solidFill>
+                  <a:schemeClr val="dk1"/>
+                </a:solidFill>
+                <a:latin typeface="Roboto"/>
+                <a:ea typeface="Roboto"/>
+                <a:cs typeface="Roboto"/>
+                <a:sym typeface="Roboto"/>
+              </a:defRPr>
+            </a:lvl3pPr>
+            <a:lvl4pPr marL="1828800" marR="0" lvl="3" indent="-317500" algn="l" rtl="0">
+              <a:lnSpc>
+                <a:spcPct val="115000"/>
+              </a:lnSpc>
+              <a:spcBef>
+                <a:spcPts val="1600"/>
+              </a:spcBef>
+              <a:spcAft>
+                <a:spcPts val="0"/>
+              </a:spcAft>
+              <a:buClr>
+                <a:schemeClr val="dk1"/>
+              </a:buClr>
+              <a:buSzPts val="1400"/>
+              <a:buFont typeface="Roboto"/>
+              <a:buChar char="●"/>
+              <a:defRPr sz="1400" b="0" i="0" u="none" strike="noStrike" cap="none">
+                <a:solidFill>
+                  <a:schemeClr val="dk1"/>
+                </a:solidFill>
+                <a:latin typeface="Roboto"/>
+                <a:ea typeface="Roboto"/>
+                <a:cs typeface="Roboto"/>
+                <a:sym typeface="Roboto"/>
+              </a:defRPr>
+            </a:lvl4pPr>
+            <a:lvl5pPr marL="2286000" marR="0" lvl="4" indent="-317500" algn="l" rtl="0">
+              <a:lnSpc>
+                <a:spcPct val="115000"/>
+              </a:lnSpc>
+              <a:spcBef>
+                <a:spcPts val="1600"/>
+              </a:spcBef>
+              <a:spcAft>
+                <a:spcPts val="0"/>
+              </a:spcAft>
+              <a:buClr>
+                <a:schemeClr val="dk1"/>
+              </a:buClr>
+              <a:buSzPts val="1400"/>
+              <a:buFont typeface="Roboto"/>
+              <a:buChar char="○"/>
+              <a:defRPr sz="1400" b="0" i="0" u="none" strike="noStrike" cap="none">
+                <a:solidFill>
+                  <a:schemeClr val="dk1"/>
+                </a:solidFill>
+                <a:latin typeface="Roboto"/>
+                <a:ea typeface="Roboto"/>
+                <a:cs typeface="Roboto"/>
+                <a:sym typeface="Roboto"/>
+              </a:defRPr>
+            </a:lvl5pPr>
+            <a:lvl6pPr marL="2743200" marR="0" lvl="5" indent="-317500" algn="l" rtl="0">
+              <a:lnSpc>
+                <a:spcPct val="115000"/>
+              </a:lnSpc>
+              <a:spcBef>
+                <a:spcPts val="1600"/>
+              </a:spcBef>
+              <a:spcAft>
+                <a:spcPts val="0"/>
+              </a:spcAft>
+              <a:buClr>
+                <a:schemeClr val="dk1"/>
+              </a:buClr>
+              <a:buSzPts val="1400"/>
+              <a:buFont typeface="Roboto"/>
+              <a:buChar char="■"/>
+              <a:defRPr sz="1400" b="0" i="0" u="none" strike="noStrike" cap="none">
+                <a:solidFill>
+                  <a:schemeClr val="dk1"/>
+                </a:solidFill>
+                <a:latin typeface="Roboto"/>
+                <a:ea typeface="Roboto"/>
+                <a:cs typeface="Roboto"/>
+                <a:sym typeface="Roboto"/>
+              </a:defRPr>
+            </a:lvl6pPr>
+            <a:lvl7pPr marL="3200400" marR="0" lvl="6" indent="-317500" algn="l" rtl="0">
+              <a:lnSpc>
+                <a:spcPct val="115000"/>
+              </a:lnSpc>
+              <a:spcBef>
+                <a:spcPts val="1600"/>
+              </a:spcBef>
+              <a:spcAft>
+                <a:spcPts val="0"/>
+              </a:spcAft>
+              <a:buClr>
+                <a:schemeClr val="dk1"/>
+              </a:buClr>
+              <a:buSzPts val="1400"/>
+              <a:buFont typeface="Roboto"/>
+              <a:buChar char="●"/>
+              <a:defRPr sz="1400" b="0" i="0" u="none" strike="noStrike" cap="none">
+                <a:solidFill>
+                  <a:schemeClr val="dk1"/>
+                </a:solidFill>
+                <a:latin typeface="Roboto"/>
+                <a:ea typeface="Roboto"/>
+                <a:cs typeface="Roboto"/>
+                <a:sym typeface="Roboto"/>
+              </a:defRPr>
+            </a:lvl7pPr>
+            <a:lvl8pPr marL="3657600" marR="0" lvl="7" indent="-317500" algn="l" rtl="0">
+              <a:lnSpc>
+                <a:spcPct val="115000"/>
+              </a:lnSpc>
+              <a:spcBef>
+                <a:spcPts val="1600"/>
+              </a:spcBef>
+              <a:spcAft>
+                <a:spcPts val="0"/>
+              </a:spcAft>
+              <a:buClr>
+                <a:schemeClr val="dk1"/>
+              </a:buClr>
+              <a:buSzPts val="1400"/>
+              <a:buFont typeface="Roboto"/>
+              <a:buChar char="○"/>
+              <a:defRPr sz="1400" b="0" i="0" u="none" strike="noStrike" cap="none">
+                <a:solidFill>
+                  <a:schemeClr val="dk1"/>
+                </a:solidFill>
+                <a:latin typeface="Roboto"/>
+                <a:ea typeface="Roboto"/>
+                <a:cs typeface="Roboto"/>
+                <a:sym typeface="Roboto"/>
+              </a:defRPr>
+            </a:lvl8pPr>
+            <a:lvl9pPr marL="4114800" marR="0" lvl="8" indent="-317500" algn="l" rtl="0">
+              <a:lnSpc>
+                <a:spcPct val="115000"/>
+              </a:lnSpc>
+              <a:spcBef>
+                <a:spcPts val="1600"/>
+              </a:spcBef>
+              <a:spcAft>
+                <a:spcPts val="1600"/>
+              </a:spcAft>
+              <a:buClr>
+                <a:schemeClr val="dk1"/>
+              </a:buClr>
+              <a:buSzPts val="1400"/>
+              <a:buFont typeface="Roboto"/>
+              <a:buChar char="■"/>
+              <a:defRPr sz="1400" b="0" i="0" u="none" strike="noStrike" cap="none">
+                <a:solidFill>
+                  <a:schemeClr val="dk1"/>
+                </a:solidFill>
+                <a:latin typeface="Roboto"/>
+                <a:ea typeface="Roboto"/>
+                <a:cs typeface="Roboto"/>
+                <a:sym typeface="Roboto"/>
+              </a:defRPr>
+            </a:lvl9pPr>
+          </a:lstStyle>
+          <a:p>
+            <a:pPr marL="0" indent="0" algn="ctr"/>
+            <a:r>
+              <a:rPr lang="en-US" sz="1200" b="1" dirty="0"/>
+              <a:t>Downtrend without significant seasonal pattern</a:t>
+            </a:r>
+          </a:p>
+        </p:txBody>
+      </p:sp>
     </p:spTree>
   </p:cSld>
   <p:clrMapOvr>
@@ -12346,7 +13403,7 @@
                 <a:latin typeface="Times New Roman" panose="02020603050405020304" pitchFamily="18" charset="0"/>
                 <a:ea typeface="等线" panose="02010600030101010101" pitchFamily="2" charset="-122"/>
               </a:rPr>
-              <a:t>MAE: 10.46%</a:t>
+              <a:t>MAE: 0.1046</a:t>
             </a:r>
           </a:p>
           <a:p>
@@ -12368,7 +13425,7 @@
                 <a:latin typeface="Times New Roman" panose="02020603050405020304" pitchFamily="18" charset="0"/>
                 <a:ea typeface="等线" panose="02010600030101010101" pitchFamily="2" charset="-122"/>
               </a:rPr>
-              <a:t>MPE: 2.26%</a:t>
+              <a:t>MPE: -2.26%</a:t>
             </a:r>
           </a:p>
           <a:p>
@@ -12390,7 +13447,7 @@
                 <a:latin typeface="Times New Roman" panose="02020603050405020304" pitchFamily="18" charset="0"/>
                 <a:ea typeface="等线" panose="02010600030101010101" pitchFamily="2" charset="-122"/>
               </a:rPr>
-              <a:t>RMSE: 13.74%</a:t>
+              <a:t>RMSE: 0.1374</a:t>
             </a:r>
           </a:p>
           <a:p>
@@ -12412,7 +13469,7 @@
                 <a:latin typeface="Times New Roman" panose="02020603050405020304" pitchFamily="18" charset="0"/>
                 <a:ea typeface="等线" panose="02010600030101010101" pitchFamily="2" charset="-122"/>
               </a:rPr>
-              <a:t>CORR: 96.30%</a:t>
+              <a:t>CORR: 0.9630</a:t>
             </a:r>
           </a:p>
           <a:p>
